--- a/2nd PROJECT.pptx
+++ b/2nd PROJECT.pptx
@@ -4716,8 +4716,8 @@
         </p:nvSpPr>
         <p:spPr>
           <a:xfrm>
-            <a:off x="7071360" y="1950720"/>
-            <a:ext cx="1040670" cy="369332"/>
+            <a:off x="3652414" y="1412240"/>
+            <a:ext cx="4887172" cy="369332"/>
           </a:xfrm>
           <a:prstGeom prst="rect">
             <a:avLst/>
@@ -4731,8 +4731,12 @@
           <a:lstStyle/>
           <a:p>
             <a:r>
-              <a:rPr lang="en-US" dirty="0" err="1"/>
-              <a:t>jjuhuhuh</a:t>
+              <a:rPr lang="en-IN" b="1" i="0" u="none" strike="noStrike" dirty="0">
+                <a:effectLst/>
+                <a:latin typeface="-apple-system"/>
+                <a:hlinkClick r:id="rId2"/>
+              </a:rPr>
+              <a:t>https://sasfazil.github.io/2nd-project-document/</a:t>
             </a:r>
             <a:endParaRPr lang="en-IN" dirty="0"/>
           </a:p>
@@ -5242,21 +5246,21 @@
 </file>
 
 <file path=customXml/item2.xml><?xml version="1.0" encoding="utf-8"?>
+<?mso-contentType ?>
+<FormTemplates xmlns="http://schemas.microsoft.com/sharepoint/v3/contenttype/forms">
+  <Display>DocumentLibraryForm</Display>
+  <Edit>DocumentLibraryForm</Edit>
+  <New>DocumentLibraryForm</New>
+</FormTemplates>
+</file>
+
+<file path=customXml/item3.xml><?xml version="1.0" encoding="utf-8"?>
 <p:properties xmlns:p="http://schemas.microsoft.com/office/2006/metadata/properties" xmlns:xsi="http://www.w3.org/2001/XMLSchema-instance" xmlns:pc="http://schemas.microsoft.com/office/infopath/2007/PartnerControls">
   <documentManagement>
     <Status xmlns="71af3243-3dd4-4a8d-8c0d-dd76da1f02a5">Not started</Status>
     <MediaServiceKeyPoints xmlns="71af3243-3dd4-4a8d-8c0d-dd76da1f02a5" xsi:nil="true"/>
   </documentManagement>
 </p:properties>
-</file>
-
-<file path=customXml/item3.xml><?xml version="1.0" encoding="utf-8"?>
-<?mso-contentType ?>
-<FormTemplates xmlns="http://schemas.microsoft.com/sharepoint/v3/contenttype/forms">
-  <Display>DocumentLibraryForm</Display>
-  <Edit>DocumentLibraryForm</Edit>
-  <New>DocumentLibraryForm</New>
-</FormTemplates>
 </file>
 
 <file path=customXml/itemProps1.xml><?xml version="1.0" encoding="utf-8"?>
@@ -5279,6 +5283,14 @@
 </file>
 
 <file path=customXml/itemProps2.xml><?xml version="1.0" encoding="utf-8"?>
+<ds:datastoreItem xmlns:ds="http://schemas.openxmlformats.org/officeDocument/2006/customXml" ds:itemID="{927BD4C1-B6B1-4715-ABF9-E660A51A4EA0}">
+  <ds:schemaRefs>
+    <ds:schemaRef ds:uri="http://schemas.microsoft.com/sharepoint/v3/contenttype/forms"/>
+  </ds:schemaRefs>
+</ds:datastoreItem>
+</file>
+
+<file path=customXml/itemProps3.xml><?xml version="1.0" encoding="utf-8"?>
 <ds:datastoreItem xmlns:ds="http://schemas.openxmlformats.org/officeDocument/2006/customXml" ds:itemID="{8D289AE2-D2AE-49D1-AFAC-3A79F6794255}">
   <ds:schemaRefs>
     <ds:schemaRef ds:uri="http://schemas.microsoft.com/office/2006/metadata/properties"/>
@@ -5286,12 +5298,4 @@
     <ds:schemaRef ds:uri="71af3243-3dd4-4a8d-8c0d-dd76da1f02a5"/>
   </ds:schemaRefs>
 </ds:datastoreItem>
-</file>
-
-<file path=customXml/itemProps3.xml><?xml version="1.0" encoding="utf-8"?>
-<ds:datastoreItem xmlns:ds="http://schemas.openxmlformats.org/officeDocument/2006/customXml" ds:itemID="{927BD4C1-B6B1-4715-ABF9-E660A51A4EA0}">
-  <ds:schemaRefs>
-    <ds:schemaRef ds:uri="http://schemas.microsoft.com/sharepoint/v3/contenttype/forms"/>
-  </ds:schemaRefs>
-</ds:datastoreItem>
 </file>